--- a/markdown/files/slides/lecture14_greedy_knapsack.pptx
+++ b/markdown/files/slides/lecture14_greedy_knapsack.pptx
@@ -1,6 +1,6 @@
 
 <file path=ppt/presentation.xml><?xml version="1.0" encoding="utf-8"?>
-<p:presentation xmlns:a="http://schemas.openxmlformats.org/drawingml/2006/main" xmlns:r="http://schemas.openxmlformats.org/officeDocument/2006/relationships" xmlns:p="http://schemas.openxmlformats.org/presentationml/2006/main" saveSubsetFonts="1">
+<p:presentation xmlns:a="http://schemas.openxmlformats.org/drawingml/2006/main" xmlns:r="http://schemas.openxmlformats.org/officeDocument/2006/relationships" xmlns:p="http://schemas.openxmlformats.org/presentationml/2006/main" embedTrueTypeFonts="1" saveSubsetFonts="1">
   <p:sldMasterIdLst>
     <p:sldMasterId id="2147483699" r:id="rId1"/>
     <p:sldMasterId id="2147483711" r:id="rId2"/>
@@ -40,6 +40,29 @@
   </p:sldIdLst>
   <p:sldSz cx="12192000" cy="6858000"/>
   <p:notesSz cx="6858000" cy="9144000"/>
+  <p:embeddedFontLst>
+    <p:embeddedFont>
+      <p:font typeface="Calibri" panose="020F0502020204030204" pitchFamily="34" charset="0"/>
+      <p:regular r:id="rId32"/>
+      <p:bold r:id="rId33"/>
+      <p:italic r:id="rId34"/>
+      <p:boldItalic r:id="rId35"/>
+    </p:embeddedFont>
+    <p:embeddedFont>
+      <p:font typeface="Calibri Light" panose="020F0302020204030204" pitchFamily="34" charset="0"/>
+      <p:regular r:id="rId36"/>
+      <p:italic r:id="rId37"/>
+    </p:embeddedFont>
+    <p:embeddedFont>
+      <p:font typeface="Cambria Math" panose="02040503050406030204" pitchFamily="18" charset="0"/>
+      <p:regular r:id="rId38"/>
+    </p:embeddedFont>
+    <p:embeddedFont>
+      <p:font typeface="Tahoma" panose="020B0604030504040204" pitchFamily="34" charset="0"/>
+      <p:regular r:id="rId39"/>
+      <p:bold r:id="rId40"/>
+    </p:embeddedFont>
+  </p:embeddedFontLst>
   <p:defaultTextStyle>
     <a:defPPr>
       <a:defRPr lang="en-US"/>
@@ -193,9 +216,126 @@
 <file path=ppt/revisionInfo.xml><?xml version="1.0" encoding="utf-8"?>
 <p1510:revInfo xmlns:a="http://schemas.openxmlformats.org/drawingml/2006/main" xmlns:r="http://schemas.openxmlformats.org/officeDocument/2006/relationships" xmlns:p1510="http://schemas.microsoft.com/office/powerpoint/2015/10/main">
   <p1510:revLst>
-    <p1510:client id="{8FC28127-9AA0-4884-8848-F2B78F36264F}" v="1593" dt="2023-03-14T13:31:11.741"/>
+    <p1510:client id="{3BD4FF41-DCF2-48B1-A5B2-138819B14B1A}" v="3" dt="2023-03-16T05:51:32.045"/>
   </p1510:revLst>
 </p1510:revInfo>
+</file>
+
+<file path=ppt/changesInfos/changesInfo1.xml><?xml version="1.0" encoding="utf-8"?>
+<pc:chgInfo xmlns:a="http://schemas.openxmlformats.org/drawingml/2006/main" xmlns:r="http://schemas.openxmlformats.org/officeDocument/2006/relationships" xmlns:ac="http://schemas.microsoft.com/office/drawing/2013/main/command" xmlns:pc="http://schemas.microsoft.com/office/powerpoint/2013/main/command">
+  <pc:docChgLst>
+    <pc:chgData name="Ethan Blaser" userId="7088b8776e20f90f" providerId="LiveId" clId="{3BD4FF41-DCF2-48B1-A5B2-138819B14B1A}"/>
+    <pc:docChg chg="custSel modSld">
+      <pc:chgData name="Ethan Blaser" userId="7088b8776e20f90f" providerId="LiveId" clId="{3BD4FF41-DCF2-48B1-A5B2-138819B14B1A}" dt="2023-03-16T05:52:49.119" v="11" actId="478"/>
+      <pc:docMkLst>
+        <pc:docMk/>
+      </pc:docMkLst>
+      <pc:sldChg chg="addSp modSp mod">
+        <pc:chgData name="Ethan Blaser" userId="7088b8776e20f90f" providerId="LiveId" clId="{3BD4FF41-DCF2-48B1-A5B2-138819B14B1A}" dt="2023-03-16T05:52:03.393" v="8" actId="1076"/>
+        <pc:sldMkLst>
+          <pc:docMk/>
+          <pc:sldMk cId="2698430279" sldId="533"/>
+        </pc:sldMkLst>
+        <pc:spChg chg="add mod">
+          <ac:chgData name="Ethan Blaser" userId="7088b8776e20f90f" providerId="LiveId" clId="{3BD4FF41-DCF2-48B1-A5B2-138819B14B1A}" dt="2023-03-16T05:52:03.393" v="8" actId="1076"/>
+          <ac:spMkLst>
+            <pc:docMk/>
+            <pc:sldMk cId="2698430279" sldId="533"/>
+            <ac:spMk id="3" creationId="{39B3143D-53B7-09DC-825F-B2653680FE84}"/>
+          </ac:spMkLst>
+        </pc:spChg>
+      </pc:sldChg>
+      <pc:sldChg chg="addSp delSp mod">
+        <pc:chgData name="Ethan Blaser" userId="7088b8776e20f90f" providerId="LiveId" clId="{3BD4FF41-DCF2-48B1-A5B2-138819B14B1A}" dt="2023-03-16T05:52:36.051" v="9" actId="478"/>
+        <pc:sldMkLst>
+          <pc:docMk/>
+          <pc:sldMk cId="4271314653" sldId="686"/>
+        </pc:sldMkLst>
+        <pc:inkChg chg="add del">
+          <ac:chgData name="Ethan Blaser" userId="7088b8776e20f90f" providerId="LiveId" clId="{3BD4FF41-DCF2-48B1-A5B2-138819B14B1A}" dt="2023-03-16T05:52:36.051" v="9" actId="478"/>
+          <ac:inkMkLst>
+            <pc:docMk/>
+            <pc:sldMk cId="4271314653" sldId="686"/>
+            <ac:inkMk id="4" creationId="{8F28FA8D-64E5-14C3-6F29-83153B41CE41}"/>
+          </ac:inkMkLst>
+        </pc:inkChg>
+      </pc:sldChg>
+      <pc:sldChg chg="addSp">
+        <pc:chgData name="Ethan Blaser" userId="7088b8776e20f90f" providerId="LiveId" clId="{3BD4FF41-DCF2-48B1-A5B2-138819B14B1A}" dt="2023-03-14T19:20:06.672" v="0"/>
+        <pc:sldMkLst>
+          <pc:docMk/>
+          <pc:sldMk cId="4231803063" sldId="688"/>
+        </pc:sldMkLst>
+        <pc:inkChg chg="add">
+          <ac:chgData name="Ethan Blaser" userId="7088b8776e20f90f" providerId="LiveId" clId="{3BD4FF41-DCF2-48B1-A5B2-138819B14B1A}" dt="2023-03-14T19:20:06.672" v="0"/>
+          <ac:inkMkLst>
+            <pc:docMk/>
+            <pc:sldMk cId="4231803063" sldId="688"/>
+            <ac:inkMk id="4" creationId="{AD5D0122-130A-75BD-F5F3-67B0C107D6CC}"/>
+          </ac:inkMkLst>
+        </pc:inkChg>
+      </pc:sldChg>
+      <pc:sldChg chg="delSp mod">
+        <pc:chgData name="Ethan Blaser" userId="7088b8776e20f90f" providerId="LiveId" clId="{3BD4FF41-DCF2-48B1-A5B2-138819B14B1A}" dt="2023-03-16T05:52:44.883" v="10" actId="478"/>
+        <pc:sldMkLst>
+          <pc:docMk/>
+          <pc:sldMk cId="267755147" sldId="715"/>
+        </pc:sldMkLst>
+        <pc:inkChg chg="del">
+          <ac:chgData name="Ethan Blaser" userId="7088b8776e20f90f" providerId="LiveId" clId="{3BD4FF41-DCF2-48B1-A5B2-138819B14B1A}" dt="2023-03-16T05:52:44.883" v="10" actId="478"/>
+          <ac:inkMkLst>
+            <pc:docMk/>
+            <pc:sldMk cId="267755147" sldId="715"/>
+            <ac:inkMk id="2" creationId="{FDDCF9B6-1C14-4D73-CCDC-EE744F919FD9}"/>
+          </ac:inkMkLst>
+        </pc:inkChg>
+      </pc:sldChg>
+      <pc:sldChg chg="delSp mod">
+        <pc:chgData name="Ethan Blaser" userId="7088b8776e20f90f" providerId="LiveId" clId="{3BD4FF41-DCF2-48B1-A5B2-138819B14B1A}" dt="2023-03-16T05:52:49.119" v="11" actId="478"/>
+        <pc:sldMkLst>
+          <pc:docMk/>
+          <pc:sldMk cId="894507482" sldId="716"/>
+        </pc:sldMkLst>
+        <pc:inkChg chg="del">
+          <ac:chgData name="Ethan Blaser" userId="7088b8776e20f90f" providerId="LiveId" clId="{3BD4FF41-DCF2-48B1-A5B2-138819B14B1A}" dt="2023-03-16T05:52:49.119" v="11" actId="478"/>
+          <ac:inkMkLst>
+            <pc:docMk/>
+            <pc:sldMk cId="894507482" sldId="716"/>
+            <ac:inkMk id="3" creationId="{91C2DA8D-3F91-9786-2264-B7039A449B3F}"/>
+          </ac:inkMkLst>
+        </pc:inkChg>
+      </pc:sldChg>
+    </pc:docChg>
+  </pc:docChgLst>
+</pc:chgInfo>
+</file>
+
+<file path=ppt/ink/ink1.xml><?xml version="1.0" encoding="utf-8"?>
+<inkml:ink xmlns:inkml="http://www.w3.org/2003/InkML">
+  <inkml:definitions>
+    <inkml:context xml:id="ctx0">
+      <inkml:inkSource xml:id="inkSrc0">
+        <inkml:traceFormat>
+          <inkml:channel name="X" type="integer" max="3900" units="cm"/>
+          <inkml:channel name="Y" type="integer" max="2444" units="cm"/>
+          <inkml:channel name="T" type="integer" max="2.14748E9" units="dev"/>
+        </inkml:traceFormat>
+        <inkml:channelProperties>
+          <inkml:channelProperty channel="X" name="resolution" value="116.07143" units="1/cm"/>
+          <inkml:channelProperty channel="Y" name="resolution" value="116.38095" units="1/cm"/>
+          <inkml:channelProperty channel="T" name="resolution" value="1" units="1/dev"/>
+        </inkml:channelProperties>
+      </inkml:inkSource>
+      <inkml:timestamp xml:id="ts0" timeString="2023-03-14T19:08:17.316"/>
+    </inkml:context>
+    <inkml:brush xml:id="br0">
+      <inkml:brushProperty name="width" value="0.05292" units="cm"/>
+      <inkml:brushProperty name="height" value="0.05292" units="cm"/>
+      <inkml:brushProperty name="color" value="#FF0000"/>
+    </inkml:brush>
+  </inkml:definitions>
+  <inkml:trace contextRef="#ctx0" brushRef="#br0">18740 10184 0</inkml:trace>
+</inkml:ink>
 </file>
 
 <file path=ppt/notesMasters/notesMaster1.xml><?xml version="1.0" encoding="utf-8"?>
@@ -11761,6 +11901,43 @@
               <a:t>14</a:t>
             </a:fld>
             <a:endParaRPr lang="en-US"/>
+          </a:p>
+        </p:txBody>
+      </p:sp>
+      <p:sp>
+        <p:nvSpPr>
+          <p:cNvPr id="3" name="TextBox 2">
+            <a:extLst>
+              <a:ext uri="{FF2B5EF4-FFF2-40B4-BE49-F238E27FC236}">
+                <a16:creationId xmlns:a16="http://schemas.microsoft.com/office/drawing/2014/main" id="{39B3143D-53B7-09DC-825F-B2653680FE84}"/>
+              </a:ext>
+            </a:extLst>
+          </p:cNvPr>
+          <p:cNvSpPr txBox="1"/>
+          <p:nvPr/>
+        </p:nvSpPr>
+        <p:spPr>
+          <a:xfrm>
+            <a:off x="6096000" y="3829672"/>
+            <a:ext cx="685800" cy="400110"/>
+          </a:xfrm>
+          <a:prstGeom prst="rect">
+            <a:avLst/>
+          </a:prstGeom>
+          <a:solidFill>
+            <a:schemeClr val="bg1"/>
+          </a:solidFill>
+        </p:spPr>
+        <p:txBody>
+          <a:bodyPr wrap="square" rtlCol="0">
+            <a:spAutoFit/>
+          </a:bodyPr>
+          <a:lstStyle/>
+          <a:p>
+            <a:r>
+              <a:rPr lang="en-US" sz="2000" dirty="0"/>
+              <a:t>1</a:t>
+            </a:r>
           </a:p>
         </p:txBody>
       </p:sp>
@@ -24311,6 +24488,57 @@
           </a:p>
         </p:txBody>
       </p:sp>
+      <mc:AlternateContent xmlns:mc="http://schemas.openxmlformats.org/markup-compatibility/2006" xmlns:p14="http://schemas.microsoft.com/office/powerpoint/2010/main">
+        <mc:Choice Requires="p14">
+          <p:contentPart p14:bwMode="auto" r:id="rId8">
+            <p14:nvContentPartPr>
+              <p14:cNvPr id="4" name="Ink 3">
+                <a:extLst>
+                  <a:ext uri="{FF2B5EF4-FFF2-40B4-BE49-F238E27FC236}">
+                    <a16:creationId xmlns:a16="http://schemas.microsoft.com/office/drawing/2014/main" id="{AD5D0122-130A-75BD-F5F3-67B0C107D6CC}"/>
+                  </a:ext>
+                </a:extLst>
+              </p14:cNvPr>
+              <p14:cNvContentPartPr/>
+              <p14:nvPr/>
+            </p14:nvContentPartPr>
+            <p14:xfrm>
+              <a:off x="6746400" y="3666240"/>
+              <a:ext cx="360" cy="360"/>
+            </p14:xfrm>
+          </p:contentPart>
+        </mc:Choice>
+        <mc:Fallback xmlns="">
+          <p:pic>
+            <p:nvPicPr>
+              <p:cNvPr id="4" name="Ink 3">
+                <a:extLst>
+                  <a:ext uri="{FF2B5EF4-FFF2-40B4-BE49-F238E27FC236}">
+                    <a16:creationId xmlns:a16="http://schemas.microsoft.com/office/drawing/2014/main" id="{AD5D0122-130A-75BD-F5F3-67B0C107D6CC}"/>
+                  </a:ext>
+                </a:extLst>
+              </p:cNvPr>
+              <p:cNvPicPr/>
+              <p:nvPr/>
+            </p:nvPicPr>
+            <p:blipFill>
+              <a:blip r:embed="rId9"/>
+              <a:stretch>
+                <a:fillRect/>
+              </a:stretch>
+            </p:blipFill>
+            <p:spPr>
+              <a:xfrm>
+                <a:off x="6737040" y="3656880"/>
+                <a:ext cx="19080" cy="19080"/>
+              </a:xfrm>
+              <a:prstGeom prst="rect">
+                <a:avLst/>
+              </a:prstGeom>
+            </p:spPr>
+          </p:pic>
+        </mc:Fallback>
+      </mc:AlternateContent>
     </p:spTree>
     <p:extLst>
       <p:ext uri="{BB962C8B-B14F-4D97-AF65-F5344CB8AC3E}">
